--- a/_SLIDES/2020_DEEL1/H7-Methoden/H7-4_Fun with methods.pptx
+++ b/_SLIDES/2020_DEEL1/H7-Methoden/H7-4_Fun with methods.pptx
@@ -363,7 +363,7 @@
           <a:p>
             <a:fld id="{3FC7A63C-6DFF-42EA-B76D-73033DDB80DC}" type="datetimeFigureOut">
               <a:rPr lang="nl-BE" smtClean="0"/>
-              <a:t>14/09/2020</a:t>
+              <a:t>29/10/2021</a:t>
             </a:fld>
             <a:endParaRPr lang="nl-BE"/>
           </a:p>
@@ -571,7 +571,7 @@
           <a:p>
             <a:fld id="{3FC7A63C-6DFF-42EA-B76D-73033DDB80DC}" type="datetimeFigureOut">
               <a:rPr lang="nl-BE" smtClean="0"/>
-              <a:t>14/09/2020</a:t>
+              <a:t>29/10/2021</a:t>
             </a:fld>
             <a:endParaRPr lang="nl-BE"/>
           </a:p>
@@ -827,7 +827,7 @@
           <a:p>
             <a:fld id="{3FC7A63C-6DFF-42EA-B76D-73033DDB80DC}" type="datetimeFigureOut">
               <a:rPr lang="nl-BE" smtClean="0"/>
-              <a:t>14/09/2020</a:t>
+              <a:t>29/10/2021</a:t>
             </a:fld>
             <a:endParaRPr lang="nl-BE"/>
           </a:p>
@@ -1001,7 +1001,7 @@
           <a:p>
             <a:fld id="{3FC7A63C-6DFF-42EA-B76D-73033DDB80DC}" type="datetimeFigureOut">
               <a:rPr lang="nl-BE" smtClean="0"/>
-              <a:t>14/09/2020</a:t>
+              <a:t>29/10/2021</a:t>
             </a:fld>
             <a:endParaRPr lang="nl-BE"/>
           </a:p>
@@ -1344,7 +1344,7 @@
           <a:p>
             <a:fld id="{3FC7A63C-6DFF-42EA-B76D-73033DDB80DC}" type="datetimeFigureOut">
               <a:rPr lang="nl-BE" smtClean="0"/>
-              <a:t>14/09/2020</a:t>
+              <a:t>29/10/2021</a:t>
             </a:fld>
             <a:endParaRPr lang="nl-BE"/>
           </a:p>
@@ -1619,7 +1619,7 @@
           <a:p>
             <a:fld id="{3FC7A63C-6DFF-42EA-B76D-73033DDB80DC}" type="datetimeFigureOut">
               <a:rPr lang="nl-BE" smtClean="0"/>
-              <a:t>14/09/2020</a:t>
+              <a:t>29/10/2021</a:t>
             </a:fld>
             <a:endParaRPr lang="nl-BE"/>
           </a:p>
@@ -1998,7 +1998,7 @@
           <a:p>
             <a:fld id="{3FC7A63C-6DFF-42EA-B76D-73033DDB80DC}" type="datetimeFigureOut">
               <a:rPr lang="nl-BE" smtClean="0"/>
-              <a:t>14/09/2020</a:t>
+              <a:t>29/10/2021</a:t>
             </a:fld>
             <a:endParaRPr lang="nl-BE"/>
           </a:p>
@@ -2116,7 +2116,7 @@
           <a:p>
             <a:fld id="{3FC7A63C-6DFF-42EA-B76D-73033DDB80DC}" type="datetimeFigureOut">
               <a:rPr lang="nl-BE" smtClean="0"/>
-              <a:t>14/09/2020</a:t>
+              <a:t>29/10/2021</a:t>
             </a:fld>
             <a:endParaRPr lang="nl-BE"/>
           </a:p>
@@ -2287,7 +2287,7 @@
           <a:p>
             <a:fld id="{3FC7A63C-6DFF-42EA-B76D-73033DDB80DC}" type="datetimeFigureOut">
               <a:rPr lang="nl-BE" smtClean="0"/>
-              <a:t>14/09/2020</a:t>
+              <a:t>29/10/2021</a:t>
             </a:fld>
             <a:endParaRPr lang="nl-BE"/>
           </a:p>
@@ -2641,7 +2641,7 @@
           <a:p>
             <a:fld id="{3FC7A63C-6DFF-42EA-B76D-73033DDB80DC}" type="datetimeFigureOut">
               <a:rPr lang="nl-BE" smtClean="0"/>
-              <a:t>14/09/2020</a:t>
+              <a:t>29/10/2021</a:t>
             </a:fld>
             <a:endParaRPr lang="nl-BE"/>
           </a:p>
@@ -3023,7 +3023,7 @@
           <a:p>
             <a:fld id="{3FC7A63C-6DFF-42EA-B76D-73033DDB80DC}" type="datetimeFigureOut">
               <a:rPr lang="nl-BE" smtClean="0"/>
-              <a:t>14/09/2020</a:t>
+              <a:t>29/10/2021</a:t>
             </a:fld>
             <a:endParaRPr lang="nl-BE"/>
           </a:p>
@@ -3310,7 +3310,7 @@
           <a:p>
             <a:fld id="{3FC7A63C-6DFF-42EA-B76D-73033DDB80DC}" type="datetimeFigureOut">
               <a:rPr lang="nl-BE" smtClean="0"/>
-              <a:t>14/09/2020</a:t>
+              <a:t>29/10/2021</a:t>
             </a:fld>
             <a:endParaRPr lang="nl-BE"/>
           </a:p>
@@ -14484,11 +14484,7 @@
             </a:r>
             <a:r>
               <a:rPr lang="nl-BE" dirty="0"/>
-              <a:t> Random r=new Random(); buiten de methoden (zodat alle methoden hier </a:t>
-            </a:r>
-            <a:r>
-              <a:rPr lang="nl-BE"/>
-              <a:t>aan kunnen)</a:t>
+              <a:t> Random r=new Random(); buiten de methoden (zodat alle methoden hier aan kunnen)</a:t>
             </a:r>
           </a:p>
         </p:txBody>
@@ -14729,7 +14725,7 @@
                 </a:highlight>
                 <a:latin typeface="Consolas" panose="020B0609020204030204" pitchFamily="49" charset="0"/>
               </a:rPr>
-              <a:t>tatic</a:t>
+              <a:t>static</a:t>
             </a:r>
             <a:r>
               <a:rPr lang="nl-BE" dirty="0">
